--- a/Coursera_Capstone.pptx
+++ b/Coursera_Capstone.pptx
@@ -1,15 +1,16 @@
 
 <file path=ppt/presentation.xml><?xml version="1.0" encoding="utf-8"?>
-<p:presentation xmlns:a="http://schemas.openxmlformats.org/drawingml/2006/main" xmlns:r="http://schemas.openxmlformats.org/officeDocument/2006/relationships" xmlns:p="http://schemas.openxmlformats.org/presentationml/2006/main" saveSubsetFonts="1">
+<p:presentation xmlns:a="http://schemas.openxmlformats.org/drawingml/2006/main" xmlns:r="http://schemas.openxmlformats.org/officeDocument/2006/relationships" xmlns:p="http://schemas.openxmlformats.org/presentationml/2006/main">
   <p:sldMasterIdLst>
-    <p:sldMasterId id="2147483672" r:id="rId1"/>
+    <p:sldMasterId id="2147483648" r:id="rId1"/>
   </p:sldMasterIdLst>
   <p:sldIdLst>
-    <p:sldId id="256" r:id="rId2"/>
-    <p:sldId id="257" r:id="rId3"/>
-    <p:sldId id="258" r:id="rId4"/>
-    <p:sldId id="259" r:id="rId5"/>
-    <p:sldId id="260" r:id="rId6"/>
+    <p:sldId id="256" r:id="rId3"/>
+    <p:sldId id="257" r:id="rId4"/>
+    <p:sldId id="258" r:id="rId5"/>
+    <p:sldId id="259" r:id="rId6"/>
+    <p:sldId id="260" r:id="rId7"/>
+    <p:sldId id="261" r:id="rId8"/>
   </p:sldIdLst>
   <p:sldSz cx="9144000" cy="6858000" type="screen4x3"/>
   <p:notesSz cx="6858000" cy="9144000"/>
@@ -112,7 +113,7 @@
 </file>
 
 <file path=ppt/slideLayouts/slideLayout1.xml><?xml version="1.0" encoding="utf-8"?>
-<p:sldLayout xmlns:a="http://schemas.openxmlformats.org/drawingml/2006/main" xmlns:r="http://schemas.openxmlformats.org/officeDocument/2006/relationships" xmlns:p="http://schemas.openxmlformats.org/presentationml/2006/main" showMasterSp="0" type="title" preserve="1">
+<p:sldLayout xmlns:a="http://schemas.openxmlformats.org/drawingml/2006/main" xmlns:r="http://schemas.openxmlformats.org/officeDocument/2006/relationships" xmlns:p="http://schemas.openxmlformats.org/presentationml/2006/main" type="title" preserve="1" showMasterSp="0">
   <p:cSld name="Title Slide">
     <p:spTree>
       <p:nvGrpSpPr>
@@ -236,7 +237,6 @@
           <a:p>
             <a:fld id="{3E524397-CB63-4E99-B286-9F0D2C196274}" type="datetimeFigureOut">
               <a:rPr lang="en-US" smtClean="0"/>
-              <a:t>5/18/2020</a:t>
             </a:fld>
             <a:endParaRPr lang="en-US"/>
           </a:p>
@@ -493,7 +493,6 @@
           <a:p>
             <a:fld id="{33A86E6A-0341-4513-B7A7-B95E263ABBF8}" type="slidenum">
               <a:rPr lang="en-US" smtClean="0"/>
-              <a:t>‹#›</a:t>
             </a:fld>
             <a:endParaRPr lang="en-US"/>
           </a:p>
@@ -820,6 +819,7 @@
               <a:rPr lang="en-US" smtClean="0"/>
               <a:t>Click to edit Master text styles</a:t>
             </a:r>
+            <a:endParaRPr lang="en-US" smtClean="0"/>
           </a:p>
           <a:p>
             <a:pPr lvl="1"/>
@@ -827,6 +827,7 @@
               <a:rPr lang="en-US" smtClean="0"/>
               <a:t>Second level</a:t>
             </a:r>
+            <a:endParaRPr lang="en-US" smtClean="0"/>
           </a:p>
           <a:p>
             <a:pPr lvl="2"/>
@@ -834,6 +835,7 @@
               <a:rPr lang="en-US" smtClean="0"/>
               <a:t>Third level</a:t>
             </a:r>
+            <a:endParaRPr lang="en-US" smtClean="0"/>
           </a:p>
           <a:p>
             <a:pPr lvl="3"/>
@@ -841,6 +843,7 @@
               <a:rPr lang="en-US" smtClean="0"/>
               <a:t>Fourth level</a:t>
             </a:r>
+            <a:endParaRPr lang="en-US" smtClean="0"/>
           </a:p>
           <a:p>
             <a:pPr lvl="4"/>
@@ -869,7 +872,6 @@
           <a:p>
             <a:fld id="{3E524397-CB63-4E99-B286-9F0D2C196274}" type="datetimeFigureOut">
               <a:rPr lang="en-US" smtClean="0"/>
-              <a:t>5/18/2020</a:t>
             </a:fld>
             <a:endParaRPr lang="en-US"/>
           </a:p>
@@ -911,7 +913,6 @@
           <a:p>
             <a:fld id="{33A86E6A-0341-4513-B7A7-B95E263ABBF8}" type="slidenum">
               <a:rPr lang="en-US" smtClean="0"/>
-              <a:t>‹#›</a:t>
             </a:fld>
             <a:endParaRPr lang="en-US"/>
           </a:p>
@@ -926,7 +927,7 @@
 </file>
 
 <file path=ppt/slideLayouts/slideLayout11.xml><?xml version="1.0" encoding="utf-8"?>
-<p:sldLayout xmlns:a="http://schemas.openxmlformats.org/drawingml/2006/main" xmlns:r="http://schemas.openxmlformats.org/officeDocument/2006/relationships" xmlns:p="http://schemas.openxmlformats.org/presentationml/2006/main" showMasterSp="0" type="vertTitleAndTx" preserve="1">
+<p:sldLayout xmlns:a="http://schemas.openxmlformats.org/drawingml/2006/main" xmlns:r="http://schemas.openxmlformats.org/officeDocument/2006/relationships" xmlns:p="http://schemas.openxmlformats.org/presentationml/2006/main" type="vertTitleAndTx" preserve="1" showMasterSp="0">
   <p:cSld name="Vertical Title and Text">
     <p:spTree>
       <p:nvGrpSpPr>
@@ -1097,6 +1098,7 @@
               <a:rPr lang="en-US" smtClean="0"/>
               <a:t>Click to edit Master text styles</a:t>
             </a:r>
+            <a:endParaRPr lang="en-US" smtClean="0"/>
           </a:p>
           <a:p>
             <a:pPr lvl="1"/>
@@ -1104,6 +1106,7 @@
               <a:rPr lang="en-US" smtClean="0"/>
               <a:t>Second level</a:t>
             </a:r>
+            <a:endParaRPr lang="en-US" smtClean="0"/>
           </a:p>
           <a:p>
             <a:pPr lvl="2"/>
@@ -1111,6 +1114,7 @@
               <a:rPr lang="en-US" smtClean="0"/>
               <a:t>Third level</a:t>
             </a:r>
+            <a:endParaRPr lang="en-US" smtClean="0"/>
           </a:p>
           <a:p>
             <a:pPr lvl="3"/>
@@ -1118,6 +1122,7 @@
               <a:rPr lang="en-US" smtClean="0"/>
               <a:t>Fourth level</a:t>
             </a:r>
+            <a:endParaRPr lang="en-US" smtClean="0"/>
           </a:p>
           <a:p>
             <a:pPr lvl="4"/>
@@ -1146,7 +1151,6 @@
           <a:p>
             <a:fld id="{3E524397-CB63-4E99-B286-9F0D2C196274}" type="datetimeFigureOut">
               <a:rPr lang="en-US" smtClean="0"/>
-              <a:t>5/18/2020</a:t>
             </a:fld>
             <a:endParaRPr lang="en-US"/>
           </a:p>
@@ -1188,7 +1192,6 @@
           <a:p>
             <a:fld id="{33A86E6A-0341-4513-B7A7-B95E263ABBF8}" type="slidenum">
               <a:rPr lang="en-US" smtClean="0"/>
-              <a:t>‹#›</a:t>
             </a:fld>
             <a:endParaRPr lang="en-US"/>
           </a:p>
@@ -1262,6 +1265,7 @@
               <a:rPr lang="en-US" smtClean="0"/>
               <a:t>Click to edit Master text styles</a:t>
             </a:r>
+            <a:endParaRPr lang="en-US" smtClean="0"/>
           </a:p>
           <a:p>
             <a:pPr lvl="1"/>
@@ -1269,6 +1273,7 @@
               <a:rPr lang="en-US" smtClean="0"/>
               <a:t>Second level</a:t>
             </a:r>
+            <a:endParaRPr lang="en-US" smtClean="0"/>
           </a:p>
           <a:p>
             <a:pPr lvl="2"/>
@@ -1276,6 +1281,7 @@
               <a:rPr lang="en-US" smtClean="0"/>
               <a:t>Third level</a:t>
             </a:r>
+            <a:endParaRPr lang="en-US" smtClean="0"/>
           </a:p>
           <a:p>
             <a:pPr lvl="3"/>
@@ -1283,6 +1289,7 @@
               <a:rPr lang="en-US" smtClean="0"/>
               <a:t>Fourth level</a:t>
             </a:r>
+            <a:endParaRPr lang="en-US" smtClean="0"/>
           </a:p>
           <a:p>
             <a:pPr lvl="4"/>
@@ -1311,7 +1318,6 @@
           <a:p>
             <a:fld id="{3E524397-CB63-4E99-B286-9F0D2C196274}" type="datetimeFigureOut">
               <a:rPr lang="en-US" smtClean="0"/>
-              <a:t>5/18/2020</a:t>
             </a:fld>
             <a:endParaRPr lang="en-US"/>
           </a:p>
@@ -1353,7 +1359,6 @@
           <a:p>
             <a:fld id="{33A86E6A-0341-4513-B7A7-B95E263ABBF8}" type="slidenum">
               <a:rPr lang="en-US" smtClean="0"/>
-              <a:t>‹#›</a:t>
             </a:fld>
             <a:endParaRPr lang="en-US"/>
           </a:p>
@@ -1368,7 +1373,7 @@
 </file>
 
 <file path=ppt/slideLayouts/slideLayout3.xml><?xml version="1.0" encoding="utf-8"?>
-<p:sldLayout xmlns:a="http://schemas.openxmlformats.org/drawingml/2006/main" xmlns:r="http://schemas.openxmlformats.org/officeDocument/2006/relationships" xmlns:p="http://schemas.openxmlformats.org/presentationml/2006/main" showMasterSp="0" type="secHead" preserve="1">
+<p:sldLayout xmlns:a="http://schemas.openxmlformats.org/drawingml/2006/main" xmlns:r="http://schemas.openxmlformats.org/officeDocument/2006/relationships" xmlns:p="http://schemas.openxmlformats.org/presentationml/2006/main" type="secHead" preserve="1" showMasterSp="0">
   <p:cSld name="Section Header">
     <p:spTree>
       <p:nvGrpSpPr>
@@ -1492,7 +1497,6 @@
           <a:p>
             <a:fld id="{3E524397-CB63-4E99-B286-9F0D2C196274}" type="datetimeFigureOut">
               <a:rPr lang="en-US" smtClean="0"/>
-              <a:t>5/18/2020</a:t>
             </a:fld>
             <a:endParaRPr lang="en-US"/>
           </a:p>
@@ -1631,7 +1635,6 @@
           <a:p>
             <a:fld id="{33A86E6A-0341-4513-B7A7-B95E263ABBF8}" type="slidenum">
               <a:rPr lang="en-US" smtClean="0"/>
-              <a:t>‹#›</a:t>
             </a:fld>
             <a:endParaRPr lang="en-US"/>
           </a:p>
@@ -1846,6 +1849,7 @@
               <a:rPr lang="en-US" smtClean="0"/>
               <a:t>Click to edit Master text styles</a:t>
             </a:r>
+            <a:endParaRPr lang="en-US" smtClean="0"/>
           </a:p>
         </p:txBody>
       </p:sp>
@@ -2003,6 +2007,7 @@
               <a:rPr lang="en-US" smtClean="0"/>
               <a:t>Click to edit Master text styles</a:t>
             </a:r>
+            <a:endParaRPr lang="en-US" smtClean="0"/>
           </a:p>
           <a:p>
             <a:pPr lvl="1"/>
@@ -2010,6 +2015,7 @@
               <a:rPr lang="en-US" smtClean="0"/>
               <a:t>Second level</a:t>
             </a:r>
+            <a:endParaRPr lang="en-US" smtClean="0"/>
           </a:p>
           <a:p>
             <a:pPr lvl="2"/>
@@ -2017,6 +2023,7 @@
               <a:rPr lang="en-US" smtClean="0"/>
               <a:t>Third level</a:t>
             </a:r>
+            <a:endParaRPr lang="en-US" smtClean="0"/>
           </a:p>
           <a:p>
             <a:pPr lvl="3"/>
@@ -2024,6 +2031,7 @@
               <a:rPr lang="en-US" smtClean="0"/>
               <a:t>Fourth level</a:t>
             </a:r>
+            <a:endParaRPr lang="en-US" smtClean="0"/>
           </a:p>
           <a:p>
             <a:pPr lvl="4"/>
@@ -2088,6 +2096,7 @@
               <a:rPr lang="en-US" smtClean="0"/>
               <a:t>Click to edit Master text styles</a:t>
             </a:r>
+            <a:endParaRPr lang="en-US" smtClean="0"/>
           </a:p>
           <a:p>
             <a:pPr lvl="1"/>
@@ -2095,6 +2104,7 @@
               <a:rPr lang="en-US" smtClean="0"/>
               <a:t>Second level</a:t>
             </a:r>
+            <a:endParaRPr lang="en-US" smtClean="0"/>
           </a:p>
           <a:p>
             <a:pPr lvl="2"/>
@@ -2102,6 +2112,7 @@
               <a:rPr lang="en-US" smtClean="0"/>
               <a:t>Third level</a:t>
             </a:r>
+            <a:endParaRPr lang="en-US" smtClean="0"/>
           </a:p>
           <a:p>
             <a:pPr lvl="3"/>
@@ -2109,6 +2120,7 @@
               <a:rPr lang="en-US" smtClean="0"/>
               <a:t>Fourth level</a:t>
             </a:r>
+            <a:endParaRPr lang="en-US" smtClean="0"/>
           </a:p>
           <a:p>
             <a:pPr lvl="4"/>
@@ -2137,7 +2149,6 @@
           <a:p>
             <a:fld id="{3E524397-CB63-4E99-B286-9F0D2C196274}" type="datetimeFigureOut">
               <a:rPr lang="en-US" smtClean="0"/>
-              <a:t>5/18/2020</a:t>
             </a:fld>
             <a:endParaRPr lang="en-US"/>
           </a:p>
@@ -2179,7 +2190,6 @@
           <a:p>
             <a:fld id="{33A86E6A-0341-4513-B7A7-B95E263ABBF8}" type="slidenum">
               <a:rPr lang="en-US" smtClean="0"/>
-              <a:t>‹#›</a:t>
             </a:fld>
             <a:endParaRPr lang="en-US"/>
           </a:p>
@@ -2306,6 +2316,7 @@
               <a:rPr lang="en-US" smtClean="0"/>
               <a:t>Click to edit Master text styles</a:t>
             </a:r>
+            <a:endParaRPr lang="en-US" smtClean="0"/>
           </a:p>
         </p:txBody>
       </p:sp>
@@ -2362,6 +2373,7 @@
               <a:rPr lang="en-US" smtClean="0"/>
               <a:t>Click to edit Master text styles</a:t>
             </a:r>
+            <a:endParaRPr lang="en-US" smtClean="0"/>
           </a:p>
           <a:p>
             <a:pPr lvl="1"/>
@@ -2369,6 +2381,7 @@
               <a:rPr lang="en-US" smtClean="0"/>
               <a:t>Second level</a:t>
             </a:r>
+            <a:endParaRPr lang="en-US" smtClean="0"/>
           </a:p>
           <a:p>
             <a:pPr lvl="2"/>
@@ -2376,6 +2389,7 @@
               <a:rPr lang="en-US" smtClean="0"/>
               <a:t>Third level</a:t>
             </a:r>
+            <a:endParaRPr lang="en-US" smtClean="0"/>
           </a:p>
           <a:p>
             <a:pPr lvl="3"/>
@@ -2383,6 +2397,7 @@
               <a:rPr lang="en-US" smtClean="0"/>
               <a:t>Fourth level</a:t>
             </a:r>
+            <a:endParaRPr lang="en-US" smtClean="0"/>
           </a:p>
           <a:p>
             <a:pPr lvl="4"/>
@@ -2458,6 +2473,7 @@
               <a:rPr lang="en-US" smtClean="0"/>
               <a:t>Click to edit Master text styles</a:t>
             </a:r>
+            <a:endParaRPr lang="en-US" smtClean="0"/>
           </a:p>
         </p:txBody>
       </p:sp>
@@ -2514,6 +2530,7 @@
               <a:rPr lang="en-US" smtClean="0"/>
               <a:t>Click to edit Master text styles</a:t>
             </a:r>
+            <a:endParaRPr lang="en-US" smtClean="0"/>
           </a:p>
           <a:p>
             <a:pPr lvl="1"/>
@@ -2521,6 +2538,7 @@
               <a:rPr lang="en-US" smtClean="0"/>
               <a:t>Second level</a:t>
             </a:r>
+            <a:endParaRPr lang="en-US" smtClean="0"/>
           </a:p>
           <a:p>
             <a:pPr lvl="2"/>
@@ -2528,6 +2546,7 @@
               <a:rPr lang="en-US" smtClean="0"/>
               <a:t>Third level</a:t>
             </a:r>
+            <a:endParaRPr lang="en-US" smtClean="0"/>
           </a:p>
           <a:p>
             <a:pPr lvl="3"/>
@@ -2535,6 +2554,7 @@
               <a:rPr lang="en-US" smtClean="0"/>
               <a:t>Fourth level</a:t>
             </a:r>
+            <a:endParaRPr lang="en-US" smtClean="0"/>
           </a:p>
           <a:p>
             <a:pPr lvl="4"/>
@@ -2563,7 +2583,6 @@
           <a:p>
             <a:fld id="{3E524397-CB63-4E99-B286-9F0D2C196274}" type="datetimeFigureOut">
               <a:rPr lang="en-US" smtClean="0"/>
-              <a:t>5/18/2020</a:t>
             </a:fld>
             <a:endParaRPr lang="en-US"/>
           </a:p>
@@ -2605,7 +2624,6 @@
           <a:p>
             <a:fld id="{33A86E6A-0341-4513-B7A7-B95E263ABBF8}" type="slidenum">
               <a:rPr lang="en-US" smtClean="0"/>
-              <a:t>‹#›</a:t>
             </a:fld>
             <a:endParaRPr lang="en-US"/>
           </a:p>
@@ -2676,7 +2694,6 @@
           <a:p>
             <a:fld id="{3E524397-CB63-4E99-B286-9F0D2C196274}" type="datetimeFigureOut">
               <a:rPr lang="en-US" smtClean="0"/>
-              <a:t>5/18/2020</a:t>
             </a:fld>
             <a:endParaRPr lang="en-US"/>
           </a:p>
@@ -2718,7 +2735,6 @@
           <a:p>
             <a:fld id="{33A86E6A-0341-4513-B7A7-B95E263ABBF8}" type="slidenum">
               <a:rPr lang="en-US" smtClean="0"/>
-              <a:t>‹#›</a:t>
             </a:fld>
             <a:endParaRPr lang="en-US"/>
           </a:p>
@@ -2733,7 +2749,7 @@
 </file>
 
 <file path=ppt/slideLayouts/slideLayout7.xml><?xml version="1.0" encoding="utf-8"?>
-<p:sldLayout xmlns:a="http://schemas.openxmlformats.org/drawingml/2006/main" xmlns:r="http://schemas.openxmlformats.org/officeDocument/2006/relationships" xmlns:p="http://schemas.openxmlformats.org/presentationml/2006/main" showMasterSp="0" type="blank" preserve="1">
+<p:sldLayout xmlns:a="http://schemas.openxmlformats.org/drawingml/2006/main" xmlns:r="http://schemas.openxmlformats.org/officeDocument/2006/relationships" xmlns:p="http://schemas.openxmlformats.org/presentationml/2006/main" type="blank" preserve="1" showMasterSp="0">
   <p:cSld name="Blank">
     <p:spTree>
       <p:nvGrpSpPr>
@@ -2857,7 +2873,6 @@
           <a:p>
             <a:fld id="{3E524397-CB63-4E99-B286-9F0D2C196274}" type="datetimeFigureOut">
               <a:rPr lang="en-US" smtClean="0"/>
-              <a:t>5/18/2020</a:t>
             </a:fld>
             <a:endParaRPr lang="en-US"/>
           </a:p>
@@ -2899,7 +2914,6 @@
           <a:p>
             <a:fld id="{33A86E6A-0341-4513-B7A7-B95E263ABBF8}" type="slidenum">
               <a:rPr lang="en-US" smtClean="0"/>
-              <a:t>‹#›</a:t>
             </a:fld>
             <a:endParaRPr lang="en-US"/>
           </a:p>
@@ -2914,7 +2928,7 @@
 </file>
 
 <file path=ppt/slideLayouts/slideLayout8.xml><?xml version="1.0" encoding="utf-8"?>
-<p:sldLayout xmlns:a="http://schemas.openxmlformats.org/drawingml/2006/main" xmlns:r="http://schemas.openxmlformats.org/officeDocument/2006/relationships" xmlns:p="http://schemas.openxmlformats.org/presentationml/2006/main" showMasterSp="0" type="objTx" preserve="1">
+<p:sldLayout xmlns:a="http://schemas.openxmlformats.org/drawingml/2006/main" xmlns:r="http://schemas.openxmlformats.org/officeDocument/2006/relationships" xmlns:p="http://schemas.openxmlformats.org/presentationml/2006/main" type="objTx" preserve="1" showMasterSp="0">
   <p:cSld name="Content with Caption">
     <p:spTree>
       <p:nvGrpSpPr>
@@ -3074,6 +3088,7 @@
               <a:rPr lang="en-US" smtClean="0"/>
               <a:t>Click to edit Master text styles</a:t>
             </a:r>
+            <a:endParaRPr lang="en-US" smtClean="0"/>
           </a:p>
           <a:p>
             <a:pPr lvl="1"/>
@@ -3081,6 +3096,7 @@
               <a:rPr lang="en-US" smtClean="0"/>
               <a:t>Second level</a:t>
             </a:r>
+            <a:endParaRPr lang="en-US" smtClean="0"/>
           </a:p>
           <a:p>
             <a:pPr lvl="2"/>
@@ -3088,6 +3104,7 @@
               <a:rPr lang="en-US" smtClean="0"/>
               <a:t>Third level</a:t>
             </a:r>
+            <a:endParaRPr lang="en-US" smtClean="0"/>
           </a:p>
           <a:p>
             <a:pPr lvl="3"/>
@@ -3095,6 +3112,7 @@
               <a:rPr lang="en-US" smtClean="0"/>
               <a:t>Fourth level</a:t>
             </a:r>
+            <a:endParaRPr lang="en-US" smtClean="0"/>
           </a:p>
           <a:p>
             <a:pPr lvl="4"/>
@@ -3123,7 +3141,6 @@
           <a:p>
             <a:fld id="{3E524397-CB63-4E99-B286-9F0D2C196274}" type="datetimeFigureOut">
               <a:rPr lang="en-US" smtClean="0"/>
-              <a:t>5/18/2020</a:t>
             </a:fld>
             <a:endParaRPr lang="en-US"/>
           </a:p>
@@ -3165,7 +3182,6 @@
           <a:p>
             <a:fld id="{33A86E6A-0341-4513-B7A7-B95E263ABBF8}" type="slidenum">
               <a:rPr lang="en-US" smtClean="0"/>
-              <a:t>‹#›</a:t>
             </a:fld>
             <a:endParaRPr lang="en-US"/>
           </a:p>
@@ -3343,6 +3359,7 @@
               <a:rPr lang="en-US" smtClean="0"/>
               <a:t>Click to edit Master text styles</a:t>
             </a:r>
+            <a:endParaRPr lang="en-US" smtClean="0"/>
           </a:p>
         </p:txBody>
       </p:sp>
@@ -3395,7 +3412,7 @@
 </file>
 
 <file path=ppt/slideLayouts/slideLayout9.xml><?xml version="1.0" encoding="utf-8"?>
-<p:sldLayout xmlns:a="http://schemas.openxmlformats.org/drawingml/2006/main" xmlns:r="http://schemas.openxmlformats.org/officeDocument/2006/relationships" xmlns:p="http://schemas.openxmlformats.org/presentationml/2006/main" showMasterSp="0" type="picTx" preserve="1">
+<p:sldLayout xmlns:a="http://schemas.openxmlformats.org/drawingml/2006/main" xmlns:r="http://schemas.openxmlformats.org/officeDocument/2006/relationships" xmlns:p="http://schemas.openxmlformats.org/presentationml/2006/main" type="picTx" preserve="1" showMasterSp="0">
   <p:cSld name="Picture with Caption">
     <p:spTree>
       <p:nvGrpSpPr>
@@ -3593,7 +3610,6 @@
           <a:p>
             <a:fld id="{3E524397-CB63-4E99-B286-9F0D2C196274}" type="datetimeFigureOut">
               <a:rPr lang="en-US" smtClean="0"/>
-              <a:t>5/18/2020</a:t>
             </a:fld>
             <a:endParaRPr lang="en-US"/>
           </a:p>
@@ -3616,7 +3632,6 @@
           <a:p>
             <a:fld id="{33A86E6A-0341-4513-B7A7-B95E263ABBF8}" type="slidenum">
               <a:rPr lang="en-US" smtClean="0"/>
-              <a:t>‹#›</a:t>
             </a:fld>
             <a:endParaRPr lang="en-US"/>
           </a:p>
@@ -3896,6 +3911,7 @@
               <a:rPr lang="en-US" smtClean="0"/>
               <a:t>Click to edit Master text styles</a:t>
             </a:r>
+            <a:endParaRPr lang="en-US" smtClean="0"/>
           </a:p>
         </p:txBody>
       </p:sp>
@@ -4088,6 +4104,7 @@
               <a:rPr lang="en-US" smtClean="0"/>
               <a:t>Click to edit Master text styles</a:t>
             </a:r>
+            <a:endParaRPr lang="en-US" smtClean="0"/>
           </a:p>
           <a:p>
             <a:pPr lvl="1"/>
@@ -4095,6 +4112,7 @@
               <a:rPr lang="en-US" smtClean="0"/>
               <a:t>Second level</a:t>
             </a:r>
+            <a:endParaRPr lang="en-US" smtClean="0"/>
           </a:p>
           <a:p>
             <a:pPr lvl="2"/>
@@ -4102,6 +4120,7 @@
               <a:rPr lang="en-US" smtClean="0"/>
               <a:t>Third level</a:t>
             </a:r>
+            <a:endParaRPr lang="en-US" smtClean="0"/>
           </a:p>
           <a:p>
             <a:pPr lvl="3"/>
@@ -4109,6 +4128,7 @@
               <a:rPr lang="en-US" smtClean="0"/>
               <a:t>Fourth level</a:t>
             </a:r>
+            <a:endParaRPr lang="en-US" smtClean="0"/>
           </a:p>
           <a:p>
             <a:pPr lvl="4"/>
@@ -4153,7 +4173,6 @@
           <a:p>
             <a:fld id="{3E524397-CB63-4E99-B286-9F0D2C196274}" type="datetimeFigureOut">
               <a:rPr lang="en-US" smtClean="0"/>
-              <a:t>5/18/2020</a:t>
             </a:fld>
             <a:endParaRPr lang="en-US"/>
           </a:p>
@@ -4227,7 +4246,6 @@
           <a:p>
             <a:fld id="{33A86E6A-0341-4513-B7A7-B95E263ABBF8}" type="slidenum">
               <a:rPr lang="en-US" smtClean="0"/>
-              <a:t>‹#›</a:t>
             </a:fld>
             <a:endParaRPr lang="en-US"/>
           </a:p>
@@ -4374,17 +4392,17 @@
   </p:cSld>
   <p:clrMap bg1="lt1" tx1="dk1" bg2="lt2" tx2="dk2" accent1="accent1" accent2="accent2" accent3="accent3" accent4="accent4" accent5="accent5" accent6="accent6" hlink="hlink" folHlink="folHlink"/>
   <p:sldLayoutIdLst>
-    <p:sldLayoutId id="2147483673" r:id="rId1"/>
-    <p:sldLayoutId id="2147483674" r:id="rId2"/>
-    <p:sldLayoutId id="2147483675" r:id="rId3"/>
-    <p:sldLayoutId id="2147483676" r:id="rId4"/>
-    <p:sldLayoutId id="2147483677" r:id="rId5"/>
-    <p:sldLayoutId id="2147483678" r:id="rId6"/>
-    <p:sldLayoutId id="2147483679" r:id="rId7"/>
-    <p:sldLayoutId id="2147483680" r:id="rId8"/>
-    <p:sldLayoutId id="2147483681" r:id="rId9"/>
-    <p:sldLayoutId id="2147483682" r:id="rId10"/>
-    <p:sldLayoutId id="2147483683" r:id="rId11"/>
+    <p:sldLayoutId id="2147483649" r:id="rId1"/>
+    <p:sldLayoutId id="2147483650" r:id="rId2"/>
+    <p:sldLayoutId id="2147483651" r:id="rId3"/>
+    <p:sldLayoutId id="2147483652" r:id="rId4"/>
+    <p:sldLayoutId id="2147483653" r:id="rId5"/>
+    <p:sldLayoutId id="2147483654" r:id="rId6"/>
+    <p:sldLayoutId id="2147483655" r:id="rId7"/>
+    <p:sldLayoutId id="2147483656" r:id="rId8"/>
+    <p:sldLayoutId id="2147483657" r:id="rId9"/>
+    <p:sldLayoutId id="2147483658" r:id="rId10"/>
+    <p:sldLayoutId id="2147483659" r:id="rId11"/>
   </p:sldLayoutIdLst>
   <p:txStyles>
     <p:titleStyle>
@@ -4413,7 +4431,7 @@
         <a:buClr>
           <a:schemeClr val="accent1"/>
         </a:buClr>
-        <a:buFont typeface="Arial" pitchFamily="34" charset="0"/>
+        <a:buFont typeface="Arial" panose="020B0604020202020204" pitchFamily="34" charset="0"/>
         <a:buChar char="•"/>
         <a:defRPr sz="2400" kern="1200">
           <a:solidFill>
@@ -4431,7 +4449,7 @@
         <a:buClr>
           <a:schemeClr val="accent2"/>
         </a:buClr>
-        <a:buFont typeface="Arial" pitchFamily="34" charset="0"/>
+        <a:buFont typeface="Arial" panose="020B0604020202020204" pitchFamily="34" charset="0"/>
         <a:buChar char="•"/>
         <a:defRPr sz="2000" kern="1200">
           <a:solidFill>
@@ -4449,7 +4467,7 @@
         <a:buClr>
           <a:schemeClr val="accent3"/>
         </a:buClr>
-        <a:buFont typeface="Arial" pitchFamily="34" charset="0"/>
+        <a:buFont typeface="Arial" panose="020B0604020202020204" pitchFamily="34" charset="0"/>
         <a:buChar char="•"/>
         <a:defRPr sz="1800" kern="1200">
           <a:solidFill>
@@ -4467,7 +4485,7 @@
         <a:buClr>
           <a:schemeClr val="accent4"/>
         </a:buClr>
-        <a:buFont typeface="Arial" pitchFamily="34" charset="0"/>
+        <a:buFont typeface="Arial" panose="020B0604020202020204" pitchFamily="34" charset="0"/>
         <a:buChar char="•"/>
         <a:defRPr sz="1600" kern="1200">
           <a:solidFill>
@@ -4485,7 +4503,7 @@
         <a:buClr>
           <a:schemeClr val="accent5"/>
         </a:buClr>
-        <a:buFont typeface="Arial" pitchFamily="34" charset="0"/>
+        <a:buFont typeface="Arial" panose="020B0604020202020204" pitchFamily="34" charset="0"/>
         <a:buChar char="•"/>
         <a:defRPr sz="1600" kern="1200" baseline="0">
           <a:solidFill>
@@ -4503,7 +4521,7 @@
         <a:buClr>
           <a:schemeClr val="accent1"/>
         </a:buClr>
-        <a:buFont typeface="Arial" pitchFamily="34" charset="0"/>
+        <a:buFont typeface="Arial" panose="020B0604020202020204" pitchFamily="34" charset="0"/>
         <a:buChar char="•"/>
         <a:defRPr sz="1400" kern="1200">
           <a:solidFill>
@@ -4521,7 +4539,7 @@
         <a:buClr>
           <a:schemeClr val="accent2"/>
         </a:buClr>
-        <a:buFont typeface="Arial" pitchFamily="34" charset="0"/>
+        <a:buFont typeface="Arial" panose="020B0604020202020204" pitchFamily="34" charset="0"/>
         <a:buChar char="•"/>
         <a:defRPr sz="1400" kern="1200">
           <a:solidFill>
@@ -4539,7 +4557,7 @@
         <a:buClr>
           <a:schemeClr val="accent3"/>
         </a:buClr>
-        <a:buFont typeface="Arial" pitchFamily="34" charset="0"/>
+        <a:buFont typeface="Arial" panose="020B0604020202020204" pitchFamily="34" charset="0"/>
         <a:buChar char="•"/>
         <a:defRPr sz="1400" kern="1200">
           <a:solidFill>
@@ -4557,7 +4575,7 @@
         <a:buClr>
           <a:schemeClr val="accent4"/>
         </a:buClr>
-        <a:buFont typeface="Arial" pitchFamily="34" charset="0"/>
+        <a:buFont typeface="Arial" panose="020B0604020202020204" pitchFamily="34" charset="0"/>
         <a:buChar char="•"/>
         <a:defRPr sz="1400" kern="1200">
           <a:solidFill>
@@ -4740,11 +4758,6 @@
         </p:txBody>
       </p:sp>
     </p:spTree>
-    <p:extLst>
-      <p:ext uri="{BB962C8B-B14F-4D97-AF65-F5344CB8AC3E}">
-        <p14:creationId xmlns:p14="http://schemas.microsoft.com/office/powerpoint/2010/main" val="2423289737"/>
-      </p:ext>
-    </p:extLst>
   </p:cSld>
   <p:clrMapOvr>
     <a:masterClrMapping/>
@@ -4835,15 +4848,15 @@
               </a:rPr>
               <a:t>This project aims at finding hospitals to tackle a pandemic situation. In case a widespread deadly disease spread, then we have to respond quickly. A quicker response can save us from the pandemic. The first thing will be finding the infected ones and next, to diagnose them. The best possible option is to find and help hospitals in the area, but for a densely populated city like New York, Tokyo, and Paris, this won't be an easy job. Hence, here I will be using Data Science and Machine Learning to locate the hospitals and analyze it to check whether it can serve the purpose. In this pandemic, this projects aims to find out all possible</a:t>
             </a:r>
+            <a:endParaRPr lang="en-US" dirty="0">
+              <a:solidFill>
+                <a:srgbClr val="FF0000"/>
+              </a:solidFill>
+            </a:endParaRPr>
           </a:p>
         </p:txBody>
       </p:sp>
     </p:spTree>
-    <p:extLst>
-      <p:ext uri="{BB962C8B-B14F-4D97-AF65-F5344CB8AC3E}">
-        <p14:creationId xmlns:p14="http://schemas.microsoft.com/office/powerpoint/2010/main" val="2531137817"/>
-      </p:ext>
-    </p:extLst>
   </p:cSld>
   <p:clrMapOvr>
     <a:masterClrMapping/>
@@ -4957,11 +4970,6 @@
         </p:txBody>
       </p:sp>
     </p:spTree>
-    <p:extLst>
-      <p:ext uri="{BB962C8B-B14F-4D97-AF65-F5344CB8AC3E}">
-        <p14:creationId xmlns:p14="http://schemas.microsoft.com/office/powerpoint/2010/main" val="3804501602"/>
-      </p:ext>
-    </p:extLst>
   </p:cSld>
   <p:clrMapOvr>
     <a:masterClrMapping/>
@@ -5059,11 +5067,6 @@
         </p:txBody>
       </p:sp>
     </p:spTree>
-    <p:extLst>
-      <p:ext uri="{BB962C8B-B14F-4D97-AF65-F5344CB8AC3E}">
-        <p14:creationId xmlns:p14="http://schemas.microsoft.com/office/powerpoint/2010/main" val="2369209429"/>
-      </p:ext>
-    </p:extLst>
   </p:cSld>
   <p:clrMapOvr>
     <a:masterClrMapping/>
@@ -5138,7 +5141,7 @@
               <a:buClr>
                 <a:schemeClr val="tx1"/>
               </a:buClr>
-              <a:buFont typeface="Wingdings" pitchFamily="2" charset="2"/>
+              <a:buFont typeface="Wingdings" panose="05000000000000000000" pitchFamily="2" charset="2"/>
               <a:buChar char="Ø"/>
             </a:pPr>
             <a:r>
@@ -5149,10 +5152,15 @@
               </a:rPr>
               <a:t>Using FOURSQUARE for searching hospitals and their locations. </a:t>
             </a:r>
+            <a:endParaRPr lang="en-US" dirty="0" smtClean="0">
+              <a:solidFill>
+                <a:srgbClr val="FF0000"/>
+              </a:solidFill>
+            </a:endParaRPr>
           </a:p>
           <a:p>
             <a:pPr lvl="1">
-              <a:buFont typeface="Wingdings" pitchFamily="2" charset="2"/>
+              <a:buFont typeface="Wingdings" panose="05000000000000000000" pitchFamily="2" charset="2"/>
               <a:buChar char="v"/>
             </a:pPr>
             <a:r>
@@ -5163,10 +5171,15 @@
               </a:rPr>
               <a:t>Using this data to plot it on Map.</a:t>
             </a:r>
+            <a:endParaRPr lang="en-US" dirty="0" smtClean="0">
+              <a:solidFill>
+                <a:srgbClr val="FF0000"/>
+              </a:solidFill>
+            </a:endParaRPr>
           </a:p>
           <a:p>
             <a:pPr lvl="1">
-              <a:buFont typeface="Wingdings" pitchFamily="2" charset="2"/>
+              <a:buFont typeface="Wingdings" panose="05000000000000000000" pitchFamily="2" charset="2"/>
               <a:buChar char="v"/>
             </a:pPr>
             <a:r>
@@ -5177,13 +5190,18 @@
               </a:rPr>
               <a:t>Clustering them to know the groups of location for better connectivity.</a:t>
             </a:r>
+            <a:endParaRPr lang="en-US" dirty="0" smtClean="0">
+              <a:solidFill>
+                <a:srgbClr val="FF0000"/>
+              </a:solidFill>
+            </a:endParaRPr>
           </a:p>
           <a:p>
             <a:pPr>
               <a:buClr>
                 <a:schemeClr val="tx1"/>
               </a:buClr>
-              <a:buFont typeface="Wingdings" pitchFamily="2" charset="2"/>
+              <a:buFont typeface="Wingdings" panose="05000000000000000000" pitchFamily="2" charset="2"/>
               <a:buChar char="Ø"/>
             </a:pPr>
             <a:r>
@@ -5210,10 +5228,15 @@
               </a:rPr>
               <a:t>.</a:t>
             </a:r>
+            <a:endParaRPr lang="en-US" dirty="0" smtClean="0">
+              <a:solidFill>
+                <a:srgbClr val="FF0000"/>
+              </a:solidFill>
+            </a:endParaRPr>
           </a:p>
           <a:p>
             <a:pPr lvl="1">
-              <a:buFont typeface="Wingdings" pitchFamily="2" charset="2"/>
+              <a:buFont typeface="Wingdings" panose="05000000000000000000" pitchFamily="2" charset="2"/>
               <a:buChar char="v"/>
             </a:pPr>
             <a:r>
@@ -5285,11 +5308,100 @@
         </p:txBody>
       </p:sp>
     </p:spTree>
-    <p:extLst>
-      <p:ext uri="{BB962C8B-B14F-4D97-AF65-F5344CB8AC3E}">
-        <p14:creationId xmlns:p14="http://schemas.microsoft.com/office/powerpoint/2010/main" val="213197110"/>
-      </p:ext>
-    </p:extLst>
+  </p:cSld>
+  <p:clrMapOvr>
+    <a:masterClrMapping/>
+  </p:clrMapOvr>
+</p:sld>
+</file>
+
+<file path=ppt/slides/slide6.xml><?xml version="1.0" encoding="utf-8"?>
+<p:sld xmlns:a="http://schemas.openxmlformats.org/drawingml/2006/main" xmlns:r="http://schemas.openxmlformats.org/officeDocument/2006/relationships" xmlns:p="http://schemas.openxmlformats.org/presentationml/2006/main">
+  <p:cSld>
+    <p:spTree>
+      <p:nvGrpSpPr>
+        <p:cNvPr id="1" name=""/>
+        <p:cNvGrpSpPr/>
+        <p:nvPr/>
+      </p:nvGrpSpPr>
+      <p:grpSpPr/>
+      <p:sp>
+        <p:nvSpPr>
+          <p:cNvPr id="2" name="Title 1"/>
+          <p:cNvSpPr>
+            <a:spLocks noGrp="1"/>
+          </p:cNvSpPr>
+          <p:nvPr>
+            <p:ph type="title"/>
+          </p:nvPr>
+        </p:nvSpPr>
+        <p:spPr>
+          <a:xfrm>
+            <a:off x="426085" y="408305"/>
+            <a:ext cx="8260715" cy="651510"/>
+          </a:xfrm>
+        </p:spPr>
+        <p:txBody>
+          <a:bodyPr>
+            <a:normAutofit/>
+          </a:bodyPr>
+          <a:p>
+            <a:r>
+              <a:rPr lang="en-US"/>
+              <a:t>New York</a:t>
+            </a:r>
+            <a:endParaRPr lang="en-US"/>
+          </a:p>
+        </p:txBody>
+      </p:sp>
+      <p:sp>
+        <p:nvSpPr>
+          <p:cNvPr id="3" name="Content Placeholder 2"/>
+          <p:cNvSpPr>
+            <a:spLocks noGrp="1"/>
+          </p:cNvSpPr>
+          <p:nvPr>
+            <p:ph idx="1"/>
+          </p:nvPr>
+        </p:nvSpPr>
+        <p:spPr/>
+        <p:txBody>
+          <a:bodyPr/>
+          <a:p>
+            <a:endParaRPr lang="en-US"/>
+          </a:p>
+        </p:txBody>
+      </p:sp>
+      <p:sp>
+        <p:nvSpPr>
+          <p:cNvPr id="4" name="Text Box 3"/>
+          <p:cNvSpPr txBox="1"/>
+          <p:nvPr/>
+        </p:nvSpPr>
+        <p:spPr>
+          <a:xfrm>
+            <a:off x="517525" y="1008380"/>
+            <a:ext cx="8169275" cy="368300"/>
+          </a:xfrm>
+          <a:prstGeom prst="rect">
+            <a:avLst/>
+          </a:prstGeom>
+          <a:noFill/>
+        </p:spPr>
+        <p:txBody>
+          <a:bodyPr wrap="square" rtlCol="0">
+            <a:spAutoFit/>
+          </a:bodyPr>
+          <a:p>
+            <a:r>
+              <a:rPr lang="en-US"/>
+              <a:t> Hospitals in New York under 40 Km radius. </a:t>
+            </a:r>
+            <a:endParaRPr lang="en-US"/>
+          </a:p>
+        </p:txBody>
+      </p:sp>
+    </p:spTree>
   </p:cSld>
   <p:clrMapOvr>
     <a:masterClrMapping/>
@@ -5610,7 +5722,10 @@
       </a:bgFillStyleLst>
     </a:fmtScheme>
   </a:themeElements>
-  <a:objectDefaults/>
-  <a:extraClrSchemeLst/>
+  <a:extLst>
+    <a:ext uri="{05A4C25C-085E-4340-85A3-A5531E510DB2}">
+      <thm15:themeFamily xmlns:thm15="http://schemas.microsoft.com/office/thememl/2012/main" name="Office Theme" id="{62F939B6-93AF-4DB8-9C6B-D6C7DFDC589F}" vid="{4A3C46E8-61CC-4603-A589-7422A47A8E4A}"/>
+    </a:ext>
+  </a:extLst>
 </a:theme>
 </file>